--- a/webapp/documentation/Translator_app_V1.0.pptx
+++ b/webapp/documentation/Translator_app_V1.0.pptx
@@ -125,6 +125,58 @@
     </p:ext>
   </p:extLst>
 </p:presentation>
+</file>
+
+<file path=ppt/changesInfos/changesInfo1.xml><?xml version="1.0" encoding="utf-8"?>
+<pc:chgInfo xmlns:a="http://schemas.openxmlformats.org/drawingml/2006/main" xmlns:r="http://schemas.openxmlformats.org/officeDocument/2006/relationships" xmlns:ac="http://schemas.microsoft.com/office/drawing/2013/main/command" xmlns:pc="http://schemas.microsoft.com/office/powerpoint/2013/main/command">
+  <pc:docChgLst>
+    <pc:chgData name="Ilija Kamenko" userId="f05b5a88-d714-4230-bfa1-b25acc131a6d" providerId="ADAL" clId="{4435B58C-0DC9-458E-A932-CE2AFDC833DC}"/>
+    <pc:docChg chg="undo custSel modSld">
+      <pc:chgData name="Ilija Kamenko" userId="f05b5a88-d714-4230-bfa1-b25acc131a6d" providerId="ADAL" clId="{4435B58C-0DC9-458E-A932-CE2AFDC833DC}" dt="2023-06-14T07:30:52.393" v="23"/>
+      <pc:docMkLst>
+        <pc:docMk/>
+      </pc:docMkLst>
+      <pc:sldChg chg="modSp mod">
+        <pc:chgData name="Ilija Kamenko" userId="f05b5a88-d714-4230-bfa1-b25acc131a6d" providerId="ADAL" clId="{4435B58C-0DC9-458E-A932-CE2AFDC833DC}" dt="2023-06-14T07:30:52.393" v="23"/>
+        <pc:sldMkLst>
+          <pc:docMk/>
+          <pc:sldMk cId="2007799805" sldId="257"/>
+        </pc:sldMkLst>
+        <pc:spChg chg="mod">
+          <ac:chgData name="Ilija Kamenko" userId="f05b5a88-d714-4230-bfa1-b25acc131a6d" providerId="ADAL" clId="{4435B58C-0DC9-458E-A932-CE2AFDC833DC}" dt="2023-06-14T07:30:52.393" v="23"/>
+          <ac:spMkLst>
+            <pc:docMk/>
+            <pc:sldMk cId="2007799805" sldId="257"/>
+            <ac:spMk id="3" creationId="{F4D36D55-1546-2CDF-3556-B0CCF9A15455}"/>
+          </ac:spMkLst>
+        </pc:spChg>
+      </pc:sldChg>
+      <pc:sldChg chg="modSp mod">
+        <pc:chgData name="Ilija Kamenko" userId="f05b5a88-d714-4230-bfa1-b25acc131a6d" providerId="ADAL" clId="{4435B58C-0DC9-458E-A932-CE2AFDC833DC}" dt="2023-06-14T07:28:34.919" v="16" actId="1076"/>
+        <pc:sldMkLst>
+          <pc:docMk/>
+          <pc:sldMk cId="551483684" sldId="260"/>
+        </pc:sldMkLst>
+        <pc:spChg chg="mod">
+          <ac:chgData name="Ilija Kamenko" userId="f05b5a88-d714-4230-bfa1-b25acc131a6d" providerId="ADAL" clId="{4435B58C-0DC9-458E-A932-CE2AFDC833DC}" dt="2023-06-14T07:28:30.852" v="15"/>
+          <ac:spMkLst>
+            <pc:docMk/>
+            <pc:sldMk cId="551483684" sldId="260"/>
+            <ac:spMk id="3" creationId="{F4D36D55-1546-2CDF-3556-B0CCF9A15455}"/>
+          </ac:spMkLst>
+        </pc:spChg>
+        <pc:picChg chg="mod">
+          <ac:chgData name="Ilija Kamenko" userId="f05b5a88-d714-4230-bfa1-b25acc131a6d" providerId="ADAL" clId="{4435B58C-0DC9-458E-A932-CE2AFDC833DC}" dt="2023-06-14T07:28:34.919" v="16" actId="1076"/>
+          <ac:picMkLst>
+            <pc:docMk/>
+            <pc:sldMk cId="551483684" sldId="260"/>
+            <ac:picMk id="5" creationId="{CD1507B8-777D-DA29-1F61-62AB45A51273}"/>
+          </ac:picMkLst>
+        </pc:picChg>
+      </pc:sldChg>
+    </pc:docChg>
+  </pc:docChgLst>
+</pc:chgInfo>
 </file>
 
 <file path=ppt/slideLayouts/slideLayout1.xml><?xml version="1.0" encoding="utf-8"?>
@@ -3506,16 +3558,7 @@
           <a:p>
             <a:r>
               <a:rPr lang="en-US" dirty="0"/>
-              <a:t>Test version of Translator application can be accessed via link:</a:t>
-            </a:r>
-          </a:p>
-          <a:p>
-            <a:pPr marL="0" indent="0">
-              <a:buNone/>
-            </a:pPr>
-            <a:r>
-              <a:rPr lang="en-US" dirty="0"/>
-              <a:t>    </a:t>
+              <a:t>The test version of Translator application can be accessed via the link    </a:t>
             </a:r>
             <a:r>
               <a:rPr lang="sr-Latn-RS" dirty="0">
@@ -3581,7 +3624,7 @@
         </p:blipFill>
         <p:spPr>
           <a:xfrm>
-            <a:off x="4132269" y="2884713"/>
+            <a:off x="4137464" y="2827563"/>
             <a:ext cx="2691651" cy="3891643"/>
           </a:xfrm>
           <a:prstGeom prst="rect">
@@ -3671,42 +3714,14 @@
           <a:p>
             <a:r>
               <a:rPr lang="en-US" dirty="0"/>
-              <a:t>Translator application consist of two main parts:</a:t>
+              <a:t>The translator application consists of two main parts:</a:t>
             </a:r>
           </a:p>
           <a:p>
             <a:pPr lvl="1"/>
             <a:r>
               <a:rPr lang="en-US" dirty="0"/>
-              <a:t>Backend part: API REST server realized in </a:t>
-            </a:r>
-            <a:r>
-              <a:rPr lang="sr-Latn-RS" dirty="0" err="1"/>
-              <a:t>Flask</a:t>
-            </a:r>
-            <a:r>
-              <a:rPr lang="sr-Latn-RS" dirty="0"/>
-              <a:t> (</a:t>
-            </a:r>
-            <a:r>
-              <a:rPr lang="sr-Latn-RS" dirty="0" err="1"/>
-              <a:t>Python</a:t>
-            </a:r>
-            <a:r>
-              <a:rPr lang="sr-Latn-RS" dirty="0"/>
-              <a:t> web </a:t>
-            </a:r>
-            <a:r>
-              <a:rPr lang="sr-Latn-RS" dirty="0" err="1"/>
-              <a:t>framework</a:t>
-            </a:r>
-            <a:r>
-              <a:rPr lang="sr-Latn-RS" dirty="0"/>
-              <a:t>)</a:t>
-            </a:r>
-            <a:r>
-              <a:rPr lang="en-US" dirty="0"/>
-              <a:t> and </a:t>
+              <a:t>Backend part: API REST server realized in Flask (Python web framework) and </a:t>
             </a:r>
             <a:r>
               <a:rPr lang="en-US" dirty="0" err="1"/>
@@ -3740,19 +3755,19 @@
           <a:p>
             <a:r>
               <a:rPr lang="en-US" dirty="0"/>
-              <a:t>Each static page make API backend call using API REST protocol</a:t>
+              <a:t>Each static page makes API backend calls using the API REST protocol</a:t>
             </a:r>
           </a:p>
           <a:p>
             <a:r>
               <a:rPr lang="en-US" dirty="0"/>
-              <a:t>API REST server is served through the same web server</a:t>
+              <a:t>API REST services are served through the same web server</a:t>
             </a:r>
           </a:p>
           <a:p>
             <a:r>
               <a:rPr lang="en-US" dirty="0"/>
-              <a:t>API REST service is communicating with NLP model executed on NPU</a:t>
+              <a:t>API REST service communicates with the NLP model executed on NPU</a:t>
             </a:r>
           </a:p>
           <a:p>

--- a/webapp/documentation/Translator_app_V1.0.pptx
+++ b/webapp/documentation/Translator_app_V1.0.pptx
@@ -132,21 +132,36 @@
   <pc:docChgLst>
     <pc:chgData name="Ilija Kamenko" userId="f05b5a88-d714-4230-bfa1-b25acc131a6d" providerId="ADAL" clId="{4435B58C-0DC9-458E-A932-CE2AFDC833DC}"/>
     <pc:docChg chg="undo custSel modSld">
-      <pc:chgData name="Ilija Kamenko" userId="f05b5a88-d714-4230-bfa1-b25acc131a6d" providerId="ADAL" clId="{4435B58C-0DC9-458E-A932-CE2AFDC833DC}" dt="2023-06-14T07:30:52.393" v="23"/>
+      <pc:chgData name="Ilija Kamenko" userId="f05b5a88-d714-4230-bfa1-b25acc131a6d" providerId="ADAL" clId="{4435B58C-0DC9-458E-A932-CE2AFDC833DC}" dt="2023-06-14T09:33:09.726" v="30" actId="20577"/>
       <pc:docMkLst>
         <pc:docMk/>
       </pc:docMkLst>
       <pc:sldChg chg="modSp mod">
-        <pc:chgData name="Ilija Kamenko" userId="f05b5a88-d714-4230-bfa1-b25acc131a6d" providerId="ADAL" clId="{4435B58C-0DC9-458E-A932-CE2AFDC833DC}" dt="2023-06-14T07:30:52.393" v="23"/>
+        <pc:chgData name="Ilija Kamenko" userId="f05b5a88-d714-4230-bfa1-b25acc131a6d" providerId="ADAL" clId="{4435B58C-0DC9-458E-A932-CE2AFDC833DC}" dt="2023-06-14T09:33:09.726" v="30" actId="20577"/>
         <pc:sldMkLst>
           <pc:docMk/>
           <pc:sldMk cId="2007799805" sldId="257"/>
         </pc:sldMkLst>
         <pc:spChg chg="mod">
-          <ac:chgData name="Ilija Kamenko" userId="f05b5a88-d714-4230-bfa1-b25acc131a6d" providerId="ADAL" clId="{4435B58C-0DC9-458E-A932-CE2AFDC833DC}" dt="2023-06-14T07:30:52.393" v="23"/>
+          <ac:chgData name="Ilija Kamenko" userId="f05b5a88-d714-4230-bfa1-b25acc131a6d" providerId="ADAL" clId="{4435B58C-0DC9-458E-A932-CE2AFDC833DC}" dt="2023-06-14T09:33:09.726" v="30" actId="20577"/>
           <ac:spMkLst>
             <pc:docMk/>
             <pc:sldMk cId="2007799805" sldId="257"/>
+            <ac:spMk id="3" creationId="{F4D36D55-1546-2CDF-3556-B0CCF9A15455}"/>
+          </ac:spMkLst>
+        </pc:spChg>
+      </pc:sldChg>
+      <pc:sldChg chg="modSp mod">
+        <pc:chgData name="Ilija Kamenko" userId="f05b5a88-d714-4230-bfa1-b25acc131a6d" providerId="ADAL" clId="{4435B58C-0DC9-458E-A932-CE2AFDC833DC}" dt="2023-06-14T09:32:15.363" v="25" actId="20577"/>
+        <pc:sldMkLst>
+          <pc:docMk/>
+          <pc:sldMk cId="609044388" sldId="258"/>
+        </pc:sldMkLst>
+        <pc:spChg chg="mod">
+          <ac:chgData name="Ilija Kamenko" userId="f05b5a88-d714-4230-bfa1-b25acc131a6d" providerId="ADAL" clId="{4435B58C-0DC9-458E-A932-CE2AFDC833DC}" dt="2023-06-14T09:32:15.363" v="25" actId="20577"/>
+          <ac:spMkLst>
+            <pc:docMk/>
+            <pc:sldMk cId="609044388" sldId="258"/>
             <ac:spMk id="3" creationId="{F4D36D55-1546-2CDF-3556-B0CCF9A15455}"/>
           </ac:spMkLst>
         </pc:spChg>
@@ -3754,14 +3769,30 @@
           </a:p>
           <a:p>
             <a:r>
+              <a:rPr lang="sr-Latn-RS" dirty="0"/>
+              <a:t>S</a:t>
+            </a:r>
+            <a:r>
+              <a:rPr lang="en-US" dirty="0" err="1"/>
+              <a:t>tatic</a:t>
+            </a:r>
+            <a:r>
               <a:rPr lang="en-US" dirty="0"/>
-              <a:t>Each static page makes API backend calls using the API REST protocol</a:t>
+              <a:t> page makes API backend calls using the API REST protocol</a:t>
             </a:r>
           </a:p>
           <a:p>
             <a:r>
               <a:rPr lang="en-US" dirty="0"/>
-              <a:t>API REST services are served through the same web server</a:t>
+              <a:t>API REST service</a:t>
+            </a:r>
+            <a:r>
+              <a:rPr lang="sr-Latn-RS" dirty="0"/>
+              <a:t> is </a:t>
+            </a:r>
+            <a:r>
+              <a:rPr lang="en-US" dirty="0"/>
+              <a:t>served through the same web server</a:t>
             </a:r>
           </a:p>
           <a:p>
@@ -3885,7 +3916,19 @@
           <a:p>
             <a:r>
               <a:rPr lang="en-US" dirty="0"/>
-              <a:t>Logical structure of system id presented with following block diagram:</a:t>
+              <a:t>Logical structure of system </a:t>
+            </a:r>
+            <a:r>
+              <a:rPr lang="en-US" dirty="0" err="1"/>
+              <a:t>i</a:t>
+            </a:r>
+            <a:r>
+              <a:rPr lang="sr-Latn-RS" dirty="0"/>
+              <a:t>s</a:t>
+            </a:r>
+            <a:r>
+              <a:rPr lang="en-US" dirty="0"/>
+              <a:t> presented with following block diagram:</a:t>
             </a:r>
             <a:endParaRPr lang="sr-Latn-RS" dirty="0"/>
           </a:p>
